--- a/admin/skin_project_Transfert_Learning.pptx
+++ b/admin/skin_project_Transfert_Learning.pptx
@@ -5163,7 +5163,7 @@
         <p:spPr>
           <a:xfrm>
             <a:off x="262644" y="2941396"/>
-            <a:ext cx="3365212" cy="276999"/>
+            <a:ext cx="3365212" cy="246221"/>
           </a:xfrm>
           <a:prstGeom prst="rect">
             <a:avLst/>
@@ -5177,8 +5177,8 @@
           <a:lstStyle/>
           <a:p>
             <a:r>
-              <a:rPr lang="fr-FR" sz="1200" dirty="0"/>
-              <a:t>Modèle d’entrainement créé pour prédire 3 cas</a:t>
+              <a:rPr lang="fr-FR" sz="1000" b="1" dirty="0"/>
+              <a:t>Modèle d’entrainement créé pour détecter 3 cas</a:t>
             </a:r>
           </a:p>
         </p:txBody>
@@ -5323,7 +5323,7 @@
         <p:spPr>
           <a:xfrm>
             <a:off x="3806290" y="2941396"/>
-            <a:ext cx="4998940" cy="276999"/>
+            <a:ext cx="5026010" cy="246221"/>
           </a:xfrm>
           <a:prstGeom prst="rect">
             <a:avLst/>
@@ -5337,16 +5337,8 @@
           <a:lstStyle/>
           <a:p>
             <a:r>
-              <a:rPr lang="fr-FR" sz="1200" dirty="0"/>
-              <a:t>Utilisation du modèle </a:t>
-            </a:r>
-            <a:r>
-              <a:rPr lang="fr-FR" sz="1100" dirty="0"/>
-              <a:t>INCEPTIONV3</a:t>
-            </a:r>
-            <a:r>
-              <a:rPr lang="fr-FR" sz="1200" dirty="0"/>
-              <a:t> pour classer 24 maladies de peau</a:t>
+              <a:rPr lang="fr-FR" sz="1000" b="1" dirty="0"/>
+              <a:t>Utilisation du modèle INCEPTIONV3 pour classer 24 maladies de peau</a:t>
             </a:r>
           </a:p>
         </p:txBody>

--- a/admin/skin_project_Transfert_Learning.pptx
+++ b/admin/skin_project_Transfert_Learning.pptx
@@ -4751,7 +4751,7 @@
         </p:nvSpPr>
         <p:spPr>
           <a:xfrm>
-            <a:off x="2120563" y="3604673"/>
+            <a:off x="2126584" y="3641478"/>
             <a:ext cx="473516" cy="133896"/>
           </a:xfrm>
           <a:prstGeom prst="flowChartAlternateProcess">
@@ -4907,16 +4907,15 @@
           </p:cNvPr>
           <p:cNvCxnSpPr>
             <a:cxnSpLocks/>
-            <a:endCxn id="15" idx="1"/>
           </p:cNvCxnSpPr>
           <p:nvPr/>
         </p:nvCxnSpPr>
         <p:spPr>
-          <a:xfrm flipV="1">
-            <a:off x="1912820" y="3671621"/>
-            <a:ext cx="207743" cy="382559"/>
+          <a:xfrm rot="5400000" flipH="1" flipV="1">
+            <a:off x="1907146" y="3825565"/>
+            <a:ext cx="331817" cy="97539"/>
           </a:xfrm>
-          <a:prstGeom prst="bentConnector3">
+          <a:prstGeom prst="bentConnector2">
             <a:avLst/>
           </a:prstGeom>
           <a:ln>
@@ -4949,14 +4948,13 @@
           </p:cNvPr>
           <p:cNvCxnSpPr>
             <a:cxnSpLocks/>
-            <a:endCxn id="4" idx="1"/>
           </p:cNvCxnSpPr>
           <p:nvPr/>
         </p:nvCxnSpPr>
         <p:spPr>
-          <a:xfrm flipV="1">
-            <a:off x="1912820" y="4052749"/>
-            <a:ext cx="219317" cy="1431"/>
+          <a:xfrm>
+            <a:off x="1891237" y="4051430"/>
+            <a:ext cx="242136" cy="0"/>
           </a:xfrm>
           <a:prstGeom prst="straightConnector1">
             <a:avLst/>
@@ -4991,16 +4989,15 @@
           </p:cNvPr>
           <p:cNvCxnSpPr>
             <a:cxnSpLocks/>
-            <a:endCxn id="17" idx="1"/>
           </p:cNvCxnSpPr>
           <p:nvPr/>
         </p:nvCxnSpPr>
         <p:spPr>
-          <a:xfrm>
-            <a:off x="1912820" y="4054180"/>
-            <a:ext cx="227373" cy="315610"/>
+          <a:xfrm rot="16200000" flipH="1">
+            <a:off x="1934114" y="4152413"/>
+            <a:ext cx="294444" cy="117715"/>
           </a:xfrm>
-          <a:prstGeom prst="bentConnector3">
+          <a:prstGeom prst="bentConnector2">
             <a:avLst/>
           </a:prstGeom>
           <a:ln>
@@ -5033,13 +5030,12 @@
           </p:cNvPr>
           <p:cNvCxnSpPr>
             <a:cxnSpLocks/>
-            <a:stCxn id="9" idx="3"/>
           </p:cNvCxnSpPr>
           <p:nvPr/>
         </p:nvCxnSpPr>
         <p:spPr>
           <a:xfrm>
-            <a:off x="1173482" y="4031386"/>
+            <a:off x="1211570" y="4033183"/>
             <a:ext cx="207743" cy="1431"/>
           </a:xfrm>
           <a:prstGeom prst="straightConnector1">
@@ -5081,8 +5077,8 @@
         </p:nvSpPr>
         <p:spPr>
           <a:xfrm>
-            <a:off x="405482" y="896184"/>
-            <a:ext cx="7213723" cy="1815882"/>
+            <a:off x="405482" y="879167"/>
+            <a:ext cx="7213723" cy="1754326"/>
           </a:xfrm>
           <a:prstGeom prst="rect">
             <a:avLst/>
@@ -5096,23 +5092,10 @@
           <a:lstStyle/>
           <a:p>
             <a:r>
-              <a:rPr lang="fr-FR" sz="1200" b="1" u="sng" dirty="0"/>
-              <a:t>Objectif</a:t>
-            </a:r>
-            <a:r>
-              <a:rPr lang="fr-FR" dirty="0"/>
-              <a:t> : </a:t>
-            </a:r>
-          </a:p>
-          <a:p>
-            <a:endParaRPr lang="fr-FR" dirty="0"/>
-          </a:p>
-          <a:p>
-            <a:r>
               <a:rPr lang="fr-FR" sz="1200" dirty="0">
                 <a:sym typeface="Wingdings" panose="05000000000000000000" pitchFamily="2" charset="2"/>
               </a:rPr>
-              <a:t></a:t>
+              <a:t> </a:t>
             </a:r>
             <a:r>
               <a:rPr lang="fr-FR" sz="1200" dirty="0"/>
@@ -5122,7 +5105,7 @@
           <a:p>
             <a:r>
               <a:rPr lang="fr-FR" sz="1200" dirty="0"/>
-              <a:t>Pour permettre d’aider un plus grand nombre de personnes, nous souhaiterions étudier un plus grand nombre de cas d’anomalie de peaux.</a:t>
+              <a:t>Pour permettre d’aider un plus grand nombre de personnes, nous souhaiterions étudier un plus grand nombre de cas.</a:t>
             </a:r>
           </a:p>
           <a:p>
@@ -5137,13 +5120,24 @@
             </a:r>
             <a:r>
               <a:rPr lang="fr-FR" sz="1200" dirty="0"/>
-              <a:t>Le Transfert Learning permets de récupérer des modèles existants et robustes en capitalisant sur l’effort déjà déployé et sur les résultats obtenus.</a:t>
+              <a:t>Le </a:t>
             </a:r>
+            <a:r>
+              <a:rPr lang="fr-FR" sz="1200" i="1" dirty="0"/>
+              <a:t>Transfert Learning </a:t>
+            </a:r>
+            <a:r>
+              <a:rPr lang="fr-FR" sz="1200" dirty="0"/>
+              <a:t>permets de reprendre des modèles pré-entrainés et robustes en capitalisant sur l’effort déjà déployé pour les construire et de profiter aussi de la mise à disposition immédiate des paramètres d’entrainement. Cela représente un gain de temps considérable.</a:t>
+            </a:r>
+          </a:p>
+          <a:p>
+            <a:endParaRPr lang="fr-FR" sz="1200" dirty="0"/>
           </a:p>
           <a:p>
             <a:r>
               <a:rPr lang="fr-FR" sz="1200" dirty="0"/>
-              <a:t>On pourra éventuellement l’adapter à notre besoin spécifique</a:t>
+              <a:t>On pourra éventuellement les adapter à notre besoin spécifique.</a:t>
             </a:r>
           </a:p>
         </p:txBody>
@@ -5163,7 +5157,7 @@
         <p:spPr>
           <a:xfrm>
             <a:off x="262644" y="2941396"/>
-            <a:ext cx="3365212" cy="246221"/>
+            <a:ext cx="3365212" cy="400110"/>
           </a:xfrm>
           <a:prstGeom prst="rect">
             <a:avLst/>
@@ -5178,7 +5172,7 @@
           <a:p>
             <a:r>
               <a:rPr lang="fr-FR" sz="1000" b="1" dirty="0"/>
-              <a:t>Modèle d’entrainement créé pour détecter 3 cas</a:t>
+              <a:t>Modèle d’entrainement SKINCHECK créé pour détecter 3 cas</a:t>
             </a:r>
           </a:p>
         </p:txBody>
@@ -5213,59 +5207,6 @@
           </a:prstGeom>
         </p:spPr>
       </p:pic>
-      <p:sp>
-        <p:nvSpPr>
-          <p:cNvPr id="11" name="Organigramme : Alternative 10">
-            <a:extLst>
-              <a:ext uri="{FF2B5EF4-FFF2-40B4-BE49-F238E27FC236}">
-                <a16:creationId xmlns:a16="http://schemas.microsoft.com/office/drawing/2014/main" id="{D0E9BC5A-A2F7-13F1-EA1C-96069B82AA31}"/>
-              </a:ext>
-            </a:extLst>
-          </p:cNvPr>
-          <p:cNvSpPr/>
-          <p:nvPr/>
-        </p:nvSpPr>
-        <p:spPr>
-          <a:xfrm>
-            <a:off x="8452029" y="3483202"/>
-            <a:ext cx="193331" cy="96337"/>
-          </a:xfrm>
-          <a:prstGeom prst="flowChartAlternateProcess">
-            <a:avLst/>
-          </a:prstGeom>
-        </p:spPr>
-        <p:style>
-          <a:lnRef idx="2">
-            <a:schemeClr val="accent1">
-              <a:shade val="15000"/>
-            </a:schemeClr>
-          </a:lnRef>
-          <a:fillRef idx="1">
-            <a:schemeClr val="accent1"/>
-          </a:fillRef>
-          <a:effectRef idx="0">
-            <a:schemeClr val="accent1"/>
-          </a:effectRef>
-          <a:fontRef idx="minor">
-            <a:schemeClr val="lt1"/>
-          </a:fontRef>
-        </p:style>
-        <p:txBody>
-          <a:bodyPr rtlCol="0" anchor="ctr"/>
-          <a:lstStyle/>
-          <a:p>
-            <a:pPr algn="ctr"/>
-            <a:r>
-              <a:rPr lang="fr-FR" sz="700" b="1" dirty="0">
-                <a:solidFill>
-                  <a:schemeClr val="tx1"/>
-                </a:solidFill>
-              </a:rPr>
-              <a:t>A</a:t>
-            </a:r>
-          </a:p>
-        </p:txBody>
-      </p:sp>
       <p:cxnSp>
         <p:nvCxnSpPr>
           <p:cNvPr id="16" name="Connecteur : en angle 15">
@@ -5277,17 +5218,18 @@
           </p:cNvPr>
           <p:cNvCxnSpPr>
             <a:cxnSpLocks/>
-            <a:endCxn id="11" idx="1"/>
           </p:cNvCxnSpPr>
           <p:nvPr/>
         </p:nvCxnSpPr>
         <p:spPr>
-          <a:xfrm rot="5400000" flipH="1" flipV="1">
-            <a:off x="8211491" y="3590151"/>
-            <a:ext cx="299318" cy="181758"/>
+          <a:xfrm flipV="1">
+            <a:off x="8076940" y="3549272"/>
+            <a:ext cx="375089" cy="339275"/>
           </a:xfrm>
-          <a:prstGeom prst="bentConnector2">
-            <a:avLst/>
+          <a:prstGeom prst="bentConnector3">
+            <a:avLst>
+              <a:gd name="adj1" fmla="val 50000"/>
+            </a:avLst>
           </a:prstGeom>
           <a:ln>
             <a:tailEnd type="triangle"/>
@@ -5433,463 +5375,6 @@
           </a:prstGeom>
         </p:spPr>
       </p:pic>
-      <p:sp>
-        <p:nvSpPr>
-          <p:cNvPr id="66" name="Organigramme : Alternative 65">
-            <a:extLst>
-              <a:ext uri="{FF2B5EF4-FFF2-40B4-BE49-F238E27FC236}">
-                <a16:creationId xmlns:a16="http://schemas.microsoft.com/office/drawing/2014/main" id="{26E685FD-FED9-8F86-5BF3-D073FF524980}"/>
-              </a:ext>
-            </a:extLst>
-          </p:cNvPr>
-          <p:cNvSpPr/>
-          <p:nvPr/>
-        </p:nvSpPr>
-        <p:spPr>
-          <a:xfrm>
-            <a:off x="8452029" y="3632861"/>
-            <a:ext cx="193331" cy="96337"/>
-          </a:xfrm>
-          <a:prstGeom prst="flowChartAlternateProcess">
-            <a:avLst/>
-          </a:prstGeom>
-        </p:spPr>
-        <p:style>
-          <a:lnRef idx="2">
-            <a:schemeClr val="accent1">
-              <a:shade val="15000"/>
-            </a:schemeClr>
-          </a:lnRef>
-          <a:fillRef idx="1">
-            <a:schemeClr val="accent1"/>
-          </a:fillRef>
-          <a:effectRef idx="0">
-            <a:schemeClr val="accent1"/>
-          </a:effectRef>
-          <a:fontRef idx="minor">
-            <a:schemeClr val="lt1"/>
-          </a:fontRef>
-        </p:style>
-        <p:txBody>
-          <a:bodyPr rtlCol="0" anchor="ctr"/>
-          <a:lstStyle/>
-          <a:p>
-            <a:pPr algn="ctr"/>
-            <a:r>
-              <a:rPr lang="fr-FR" sz="700" b="1" dirty="0">
-                <a:solidFill>
-                  <a:schemeClr val="tx1"/>
-                </a:solidFill>
-              </a:rPr>
-              <a:t>B</a:t>
-            </a:r>
-          </a:p>
-        </p:txBody>
-      </p:sp>
-      <p:sp>
-        <p:nvSpPr>
-          <p:cNvPr id="67" name="Organigramme : Alternative 66">
-            <a:extLst>
-              <a:ext uri="{FF2B5EF4-FFF2-40B4-BE49-F238E27FC236}">
-                <a16:creationId xmlns:a16="http://schemas.microsoft.com/office/drawing/2014/main" id="{336B8003-FC5D-0CE7-0777-2C4C21AD6467}"/>
-              </a:ext>
-            </a:extLst>
-          </p:cNvPr>
-          <p:cNvSpPr/>
-          <p:nvPr/>
-        </p:nvSpPr>
-        <p:spPr>
-          <a:xfrm>
-            <a:off x="8452028" y="3782520"/>
-            <a:ext cx="193331" cy="96337"/>
-          </a:xfrm>
-          <a:prstGeom prst="flowChartAlternateProcess">
-            <a:avLst/>
-          </a:prstGeom>
-        </p:spPr>
-        <p:style>
-          <a:lnRef idx="2">
-            <a:schemeClr val="accent1">
-              <a:shade val="15000"/>
-            </a:schemeClr>
-          </a:lnRef>
-          <a:fillRef idx="1">
-            <a:schemeClr val="accent1"/>
-          </a:fillRef>
-          <a:effectRef idx="0">
-            <a:schemeClr val="accent1"/>
-          </a:effectRef>
-          <a:fontRef idx="minor">
-            <a:schemeClr val="lt1"/>
-          </a:fontRef>
-        </p:style>
-        <p:txBody>
-          <a:bodyPr rtlCol="0" anchor="ctr"/>
-          <a:lstStyle/>
-          <a:p>
-            <a:pPr algn="ctr"/>
-            <a:r>
-              <a:rPr lang="fr-FR" sz="700" b="1" dirty="0">
-                <a:solidFill>
-                  <a:schemeClr val="tx1"/>
-                </a:solidFill>
-              </a:rPr>
-              <a:t>C</a:t>
-            </a:r>
-          </a:p>
-        </p:txBody>
-      </p:sp>
-      <p:sp>
-        <p:nvSpPr>
-          <p:cNvPr id="68" name="Organigramme : Alternative 67">
-            <a:extLst>
-              <a:ext uri="{FF2B5EF4-FFF2-40B4-BE49-F238E27FC236}">
-                <a16:creationId xmlns:a16="http://schemas.microsoft.com/office/drawing/2014/main" id="{B49A5DF2-AAAA-D9DC-EC6E-FDEAF1884FB5}"/>
-              </a:ext>
-            </a:extLst>
-          </p:cNvPr>
-          <p:cNvSpPr/>
-          <p:nvPr/>
-        </p:nvSpPr>
-        <p:spPr>
-          <a:xfrm>
-            <a:off x="8452028" y="3937333"/>
-            <a:ext cx="193331" cy="96337"/>
-          </a:xfrm>
-          <a:prstGeom prst="flowChartAlternateProcess">
-            <a:avLst/>
-          </a:prstGeom>
-        </p:spPr>
-        <p:style>
-          <a:lnRef idx="2">
-            <a:schemeClr val="accent1">
-              <a:shade val="15000"/>
-            </a:schemeClr>
-          </a:lnRef>
-          <a:fillRef idx="1">
-            <a:schemeClr val="accent1"/>
-          </a:fillRef>
-          <a:effectRef idx="0">
-            <a:schemeClr val="accent1"/>
-          </a:effectRef>
-          <a:fontRef idx="minor">
-            <a:schemeClr val="lt1"/>
-          </a:fontRef>
-        </p:style>
-        <p:txBody>
-          <a:bodyPr rtlCol="0" anchor="ctr"/>
-          <a:lstStyle/>
-          <a:p>
-            <a:pPr algn="ctr"/>
-            <a:r>
-              <a:rPr lang="fr-FR" sz="700" b="1" dirty="0">
-                <a:solidFill>
-                  <a:schemeClr val="tx1"/>
-                </a:solidFill>
-              </a:rPr>
-              <a:t>D</a:t>
-            </a:r>
-          </a:p>
-        </p:txBody>
-      </p:sp>
-      <p:sp>
-        <p:nvSpPr>
-          <p:cNvPr id="69" name="Organigramme : Alternative 68">
-            <a:extLst>
-              <a:ext uri="{FF2B5EF4-FFF2-40B4-BE49-F238E27FC236}">
-                <a16:creationId xmlns:a16="http://schemas.microsoft.com/office/drawing/2014/main" id="{FFDD42DB-969D-3478-D5AF-A0FB80A8354A}"/>
-              </a:ext>
-            </a:extLst>
-          </p:cNvPr>
-          <p:cNvSpPr/>
-          <p:nvPr/>
-        </p:nvSpPr>
-        <p:spPr>
-          <a:xfrm>
-            <a:off x="8452028" y="4092146"/>
-            <a:ext cx="193331" cy="96337"/>
-          </a:xfrm>
-          <a:prstGeom prst="flowChartAlternateProcess">
-            <a:avLst/>
-          </a:prstGeom>
-        </p:spPr>
-        <p:style>
-          <a:lnRef idx="2">
-            <a:schemeClr val="accent1">
-              <a:shade val="15000"/>
-            </a:schemeClr>
-          </a:lnRef>
-          <a:fillRef idx="1">
-            <a:schemeClr val="accent1"/>
-          </a:fillRef>
-          <a:effectRef idx="0">
-            <a:schemeClr val="accent1"/>
-          </a:effectRef>
-          <a:fontRef idx="minor">
-            <a:schemeClr val="lt1"/>
-          </a:fontRef>
-        </p:style>
-        <p:txBody>
-          <a:bodyPr rtlCol="0" anchor="ctr"/>
-          <a:lstStyle/>
-          <a:p>
-            <a:pPr algn="ctr"/>
-            <a:r>
-              <a:rPr lang="fr-FR" sz="700" b="1" dirty="0">
-                <a:solidFill>
-                  <a:schemeClr val="tx1"/>
-                </a:solidFill>
-              </a:rPr>
-              <a:t>J</a:t>
-            </a:r>
-          </a:p>
-        </p:txBody>
-      </p:sp>
-      <p:sp>
-        <p:nvSpPr>
-          <p:cNvPr id="70" name="Organigramme : Alternative 69">
-            <a:extLst>
-              <a:ext uri="{FF2B5EF4-FFF2-40B4-BE49-F238E27FC236}">
-                <a16:creationId xmlns:a16="http://schemas.microsoft.com/office/drawing/2014/main" id="{82E9EDF8-489D-0E49-9F6C-117F4C16A375}"/>
-              </a:ext>
-            </a:extLst>
-          </p:cNvPr>
-          <p:cNvSpPr/>
-          <p:nvPr/>
-        </p:nvSpPr>
-        <p:spPr>
-          <a:xfrm>
-            <a:off x="8452027" y="4246959"/>
-            <a:ext cx="193331" cy="96337"/>
-          </a:xfrm>
-          <a:prstGeom prst="flowChartAlternateProcess">
-            <a:avLst/>
-          </a:prstGeom>
-        </p:spPr>
-        <p:style>
-          <a:lnRef idx="2">
-            <a:schemeClr val="accent1">
-              <a:shade val="15000"/>
-            </a:schemeClr>
-          </a:lnRef>
-          <a:fillRef idx="1">
-            <a:schemeClr val="accent1"/>
-          </a:fillRef>
-          <a:effectRef idx="0">
-            <a:schemeClr val="accent1"/>
-          </a:effectRef>
-          <a:fontRef idx="minor">
-            <a:schemeClr val="lt1"/>
-          </a:fontRef>
-        </p:style>
-        <p:txBody>
-          <a:bodyPr rtlCol="0" anchor="ctr"/>
-          <a:lstStyle/>
-          <a:p>
-            <a:pPr algn="ctr"/>
-            <a:r>
-              <a:rPr lang="fr-FR" sz="700" b="1" dirty="0">
-                <a:solidFill>
-                  <a:schemeClr val="tx1"/>
-                </a:solidFill>
-              </a:rPr>
-              <a:t>K</a:t>
-            </a:r>
-          </a:p>
-        </p:txBody>
-      </p:sp>
-      <p:sp>
-        <p:nvSpPr>
-          <p:cNvPr id="71" name="Organigramme : Alternative 70">
-            <a:extLst>
-              <a:ext uri="{FF2B5EF4-FFF2-40B4-BE49-F238E27FC236}">
-                <a16:creationId xmlns:a16="http://schemas.microsoft.com/office/drawing/2014/main" id="{1B7681B2-CDC4-D20E-D67D-9714B7DA58B4}"/>
-              </a:ext>
-            </a:extLst>
-          </p:cNvPr>
-          <p:cNvSpPr/>
-          <p:nvPr/>
-        </p:nvSpPr>
-        <p:spPr>
-          <a:xfrm>
-            <a:off x="8452027" y="4406297"/>
-            <a:ext cx="193331" cy="96337"/>
-          </a:xfrm>
-          <a:prstGeom prst="flowChartAlternateProcess">
-            <a:avLst/>
-          </a:prstGeom>
-        </p:spPr>
-        <p:style>
-          <a:lnRef idx="2">
-            <a:schemeClr val="accent1">
-              <a:shade val="15000"/>
-            </a:schemeClr>
-          </a:lnRef>
-          <a:fillRef idx="1">
-            <a:schemeClr val="accent1"/>
-          </a:fillRef>
-          <a:effectRef idx="0">
-            <a:schemeClr val="accent1"/>
-          </a:effectRef>
-          <a:fontRef idx="minor">
-            <a:schemeClr val="lt1"/>
-          </a:fontRef>
-        </p:style>
-        <p:txBody>
-          <a:bodyPr rtlCol="0" anchor="ctr"/>
-          <a:lstStyle/>
-          <a:p>
-            <a:pPr algn="ctr"/>
-            <a:r>
-              <a:rPr lang="fr-FR" sz="700" b="1" dirty="0">
-                <a:solidFill>
-                  <a:schemeClr val="tx1"/>
-                </a:solidFill>
-              </a:rPr>
-              <a:t>L</a:t>
-            </a:r>
-          </a:p>
-        </p:txBody>
-      </p:sp>
-      <p:sp>
-        <p:nvSpPr>
-          <p:cNvPr id="72" name="Organigramme : Alternative 71">
-            <a:extLst>
-              <a:ext uri="{FF2B5EF4-FFF2-40B4-BE49-F238E27FC236}">
-                <a16:creationId xmlns:a16="http://schemas.microsoft.com/office/drawing/2014/main" id="{F30AA93B-E616-7A69-2B8C-75D62371476D}"/>
-              </a:ext>
-            </a:extLst>
-          </p:cNvPr>
-          <p:cNvSpPr/>
-          <p:nvPr/>
-        </p:nvSpPr>
-        <p:spPr>
-          <a:xfrm>
-            <a:off x="8446947" y="4565635"/>
-            <a:ext cx="193331" cy="96337"/>
-          </a:xfrm>
-          <a:prstGeom prst="flowChartAlternateProcess">
-            <a:avLst/>
-          </a:prstGeom>
-        </p:spPr>
-        <p:style>
-          <a:lnRef idx="2">
-            <a:schemeClr val="accent1">
-              <a:shade val="15000"/>
-            </a:schemeClr>
-          </a:lnRef>
-          <a:fillRef idx="1">
-            <a:schemeClr val="accent1"/>
-          </a:fillRef>
-          <a:effectRef idx="0">
-            <a:schemeClr val="accent1"/>
-          </a:effectRef>
-          <a:fontRef idx="minor">
-            <a:schemeClr val="lt1"/>
-          </a:fontRef>
-        </p:style>
-        <p:txBody>
-          <a:bodyPr rtlCol="0" anchor="ctr"/>
-          <a:lstStyle/>
-          <a:p>
-            <a:pPr algn="ctr"/>
-            <a:r>
-              <a:rPr lang="fr-FR" sz="700" b="1" dirty="0">
-                <a:solidFill>
-                  <a:schemeClr val="tx1"/>
-                </a:solidFill>
-              </a:rPr>
-              <a:t>M</a:t>
-            </a:r>
-          </a:p>
-        </p:txBody>
-      </p:sp>
-      <p:cxnSp>
-        <p:nvCxnSpPr>
-          <p:cNvPr id="74" name="Connecteur : en angle 73">
-            <a:extLst>
-              <a:ext uri="{FF2B5EF4-FFF2-40B4-BE49-F238E27FC236}">
-                <a16:creationId xmlns:a16="http://schemas.microsoft.com/office/drawing/2014/main" id="{0B4AD54F-DF96-3E6E-6B04-3EC8761E30CB}"/>
-              </a:ext>
-            </a:extLst>
-          </p:cNvPr>
-          <p:cNvCxnSpPr>
-            <a:cxnSpLocks/>
-          </p:cNvCxnSpPr>
-          <p:nvPr/>
-        </p:nvCxnSpPr>
-        <p:spPr>
-          <a:xfrm rot="16200000" flipH="1">
-            <a:off x="7963914" y="4130929"/>
-            <a:ext cx="794473" cy="181758"/>
-          </a:xfrm>
-          <a:prstGeom prst="bentConnector2">
-            <a:avLst/>
-          </a:prstGeom>
-          <a:ln>
-            <a:solidFill>
-              <a:schemeClr val="tx1"/>
-            </a:solidFill>
-            <a:tailEnd type="triangle"/>
-          </a:ln>
-        </p:spPr>
-        <p:style>
-          <a:lnRef idx="1">
-            <a:schemeClr val="accent1"/>
-          </a:lnRef>
-          <a:fillRef idx="0">
-            <a:schemeClr val="accent1"/>
-          </a:fillRef>
-          <a:effectRef idx="0">
-            <a:schemeClr val="accent1"/>
-          </a:effectRef>
-          <a:fontRef idx="minor">
-            <a:schemeClr val="tx1"/>
-          </a:fontRef>
-        </p:style>
-      </p:cxnSp>
-      <p:cxnSp>
-        <p:nvCxnSpPr>
-          <p:cNvPr id="77" name="Connecteur droit avec flèche 76">
-            <a:extLst>
-              <a:ext uri="{FF2B5EF4-FFF2-40B4-BE49-F238E27FC236}">
-                <a16:creationId xmlns:a16="http://schemas.microsoft.com/office/drawing/2014/main" id="{427D6D43-7866-3F1F-8845-01B3A211D1E2}"/>
-              </a:ext>
-            </a:extLst>
-          </p:cNvPr>
-          <p:cNvCxnSpPr>
-            <a:cxnSpLocks/>
-            <a:stCxn id="61" idx="3"/>
-          </p:cNvCxnSpPr>
-          <p:nvPr/>
-        </p:nvCxnSpPr>
-        <p:spPr>
-          <a:xfrm>
-            <a:off x="8076940" y="4033670"/>
-            <a:ext cx="211838" cy="0"/>
-          </a:xfrm>
-          <a:prstGeom prst="straightConnector1">
-            <a:avLst/>
-          </a:prstGeom>
-          <a:ln>
-            <a:tailEnd type="triangle"/>
-          </a:ln>
-        </p:spPr>
-        <p:style>
-          <a:lnRef idx="1">
-            <a:schemeClr val="dk1"/>
-          </a:lnRef>
-          <a:fillRef idx="0">
-            <a:schemeClr val="dk1"/>
-          </a:fillRef>
-          <a:effectRef idx="0">
-            <a:schemeClr val="dk1"/>
-          </a:effectRef>
-          <a:fontRef idx="minor">
-            <a:schemeClr val="tx1"/>
-          </a:fontRef>
-        </p:style>
-      </p:cxnSp>
       <p:cxnSp>
         <p:nvCxnSpPr>
           <p:cNvPr id="80" name="Connecteur droit avec flèche 79">
@@ -6088,6 +5573,529 @@
           </a:fillRef>
           <a:effectRef idx="0">
             <a:schemeClr val="dk1"/>
+          </a:effectRef>
+          <a:fontRef idx="minor">
+            <a:schemeClr val="tx1"/>
+          </a:fontRef>
+        </p:style>
+      </p:cxnSp>
+      <p:sp>
+        <p:nvSpPr>
+          <p:cNvPr id="5" name="Organigramme : Alternative 4">
+            <a:extLst>
+              <a:ext uri="{FF2B5EF4-FFF2-40B4-BE49-F238E27FC236}">
+                <a16:creationId xmlns:a16="http://schemas.microsoft.com/office/drawing/2014/main" id="{2289A636-524A-BAFD-6009-AEE56D822EB9}"/>
+              </a:ext>
+            </a:extLst>
+          </p:cNvPr>
+          <p:cNvSpPr/>
+          <p:nvPr/>
+        </p:nvSpPr>
+        <p:spPr>
+          <a:xfrm>
+            <a:off x="8458893" y="3623338"/>
+            <a:ext cx="473516" cy="133896"/>
+          </a:xfrm>
+          <a:prstGeom prst="flowChartAlternateProcess">
+            <a:avLst/>
+          </a:prstGeom>
+        </p:spPr>
+        <p:style>
+          <a:lnRef idx="2">
+            <a:schemeClr val="accent1">
+              <a:shade val="15000"/>
+            </a:schemeClr>
+          </a:lnRef>
+          <a:fillRef idx="1">
+            <a:schemeClr val="accent1"/>
+          </a:fillRef>
+          <a:effectRef idx="0">
+            <a:schemeClr val="accent1"/>
+          </a:effectRef>
+          <a:fontRef idx="minor">
+            <a:schemeClr val="lt1"/>
+          </a:fontRef>
+        </p:style>
+        <p:txBody>
+          <a:bodyPr rtlCol="0" anchor="ctr"/>
+          <a:lstStyle/>
+          <a:p>
+            <a:pPr algn="ctr"/>
+            <a:r>
+              <a:rPr lang="fr-FR" sz="700" b="1" dirty="0">
+                <a:solidFill>
+                  <a:schemeClr val="tx1"/>
+                </a:solidFill>
+              </a:rPr>
+              <a:t>B..</a:t>
+            </a:r>
+          </a:p>
+        </p:txBody>
+      </p:sp>
+      <p:sp>
+        <p:nvSpPr>
+          <p:cNvPr id="7" name="Organigramme : Alternative 6">
+            <a:extLst>
+              <a:ext uri="{FF2B5EF4-FFF2-40B4-BE49-F238E27FC236}">
+                <a16:creationId xmlns:a16="http://schemas.microsoft.com/office/drawing/2014/main" id="{70D40E8B-E36A-82A9-E6AB-E66D04DBB628}"/>
+              </a:ext>
+            </a:extLst>
+          </p:cNvPr>
+          <p:cNvSpPr/>
+          <p:nvPr/>
+        </p:nvSpPr>
+        <p:spPr>
+          <a:xfrm>
+            <a:off x="8458893" y="3795952"/>
+            <a:ext cx="473516" cy="133896"/>
+          </a:xfrm>
+          <a:prstGeom prst="flowChartAlternateProcess">
+            <a:avLst/>
+          </a:prstGeom>
+        </p:spPr>
+        <p:style>
+          <a:lnRef idx="2">
+            <a:schemeClr val="accent1">
+              <a:shade val="15000"/>
+            </a:schemeClr>
+          </a:lnRef>
+          <a:fillRef idx="1">
+            <a:schemeClr val="accent1"/>
+          </a:fillRef>
+          <a:effectRef idx="0">
+            <a:schemeClr val="accent1"/>
+          </a:effectRef>
+          <a:fontRef idx="minor">
+            <a:schemeClr val="lt1"/>
+          </a:fontRef>
+        </p:style>
+        <p:txBody>
+          <a:bodyPr rtlCol="0" anchor="ctr"/>
+          <a:lstStyle/>
+          <a:p>
+            <a:pPr algn="ctr"/>
+            <a:r>
+              <a:rPr lang="fr-FR" sz="700" b="1" dirty="0">
+                <a:solidFill>
+                  <a:schemeClr val="tx1"/>
+                </a:solidFill>
+              </a:rPr>
+              <a:t>C..</a:t>
+            </a:r>
+          </a:p>
+        </p:txBody>
+      </p:sp>
+      <p:sp>
+        <p:nvSpPr>
+          <p:cNvPr id="8" name="Organigramme : Alternative 7">
+            <a:extLst>
+              <a:ext uri="{FF2B5EF4-FFF2-40B4-BE49-F238E27FC236}">
+                <a16:creationId xmlns:a16="http://schemas.microsoft.com/office/drawing/2014/main" id="{0D484E00-0319-5BA0-6553-4CF127AF2F38}"/>
+              </a:ext>
+            </a:extLst>
+          </p:cNvPr>
+          <p:cNvSpPr/>
+          <p:nvPr/>
+        </p:nvSpPr>
+        <p:spPr>
+          <a:xfrm>
+            <a:off x="8448977" y="3965869"/>
+            <a:ext cx="473516" cy="133896"/>
+          </a:xfrm>
+          <a:prstGeom prst="flowChartAlternateProcess">
+            <a:avLst/>
+          </a:prstGeom>
+        </p:spPr>
+        <p:style>
+          <a:lnRef idx="2">
+            <a:schemeClr val="accent1">
+              <a:shade val="15000"/>
+            </a:schemeClr>
+          </a:lnRef>
+          <a:fillRef idx="1">
+            <a:schemeClr val="accent1"/>
+          </a:fillRef>
+          <a:effectRef idx="0">
+            <a:schemeClr val="accent1"/>
+          </a:effectRef>
+          <a:fontRef idx="minor">
+            <a:schemeClr val="lt1"/>
+          </a:fontRef>
+        </p:style>
+        <p:txBody>
+          <a:bodyPr rtlCol="0" anchor="ctr"/>
+          <a:lstStyle/>
+          <a:p>
+            <a:pPr algn="ctr"/>
+            <a:r>
+              <a:rPr lang="fr-FR" sz="700" b="1" dirty="0">
+                <a:solidFill>
+                  <a:schemeClr val="tx1"/>
+                </a:solidFill>
+              </a:rPr>
+              <a:t>D..</a:t>
+            </a:r>
+          </a:p>
+        </p:txBody>
+      </p:sp>
+      <p:sp>
+        <p:nvSpPr>
+          <p:cNvPr id="12" name="Organigramme : Alternative 11">
+            <a:extLst>
+              <a:ext uri="{FF2B5EF4-FFF2-40B4-BE49-F238E27FC236}">
+                <a16:creationId xmlns:a16="http://schemas.microsoft.com/office/drawing/2014/main" id="{E04639E0-1619-16EB-3B51-D53E944BB9DC}"/>
+              </a:ext>
+            </a:extLst>
+          </p:cNvPr>
+          <p:cNvSpPr/>
+          <p:nvPr/>
+        </p:nvSpPr>
+        <p:spPr>
+          <a:xfrm>
+            <a:off x="8452029" y="4140745"/>
+            <a:ext cx="473516" cy="133896"/>
+          </a:xfrm>
+          <a:prstGeom prst="flowChartAlternateProcess">
+            <a:avLst/>
+          </a:prstGeom>
+        </p:spPr>
+        <p:style>
+          <a:lnRef idx="2">
+            <a:schemeClr val="accent1">
+              <a:shade val="15000"/>
+            </a:schemeClr>
+          </a:lnRef>
+          <a:fillRef idx="1">
+            <a:schemeClr val="accent1"/>
+          </a:fillRef>
+          <a:effectRef idx="0">
+            <a:schemeClr val="accent1"/>
+          </a:effectRef>
+          <a:fontRef idx="minor">
+            <a:schemeClr val="lt1"/>
+          </a:fontRef>
+        </p:style>
+        <p:txBody>
+          <a:bodyPr rtlCol="0" anchor="ctr"/>
+          <a:lstStyle/>
+          <a:p>
+            <a:pPr algn="ctr"/>
+            <a:r>
+              <a:rPr lang="fr-FR" sz="700" b="1" dirty="0">
+                <a:solidFill>
+                  <a:schemeClr val="tx1"/>
+                </a:solidFill>
+              </a:rPr>
+              <a:t>…</a:t>
+            </a:r>
+          </a:p>
+        </p:txBody>
+      </p:sp>
+      <p:sp>
+        <p:nvSpPr>
+          <p:cNvPr id="13" name="Organigramme : Alternative 12">
+            <a:extLst>
+              <a:ext uri="{FF2B5EF4-FFF2-40B4-BE49-F238E27FC236}">
+                <a16:creationId xmlns:a16="http://schemas.microsoft.com/office/drawing/2014/main" id="{06EA8284-64DC-EA03-C89E-4CCB3FE39E2A}"/>
+              </a:ext>
+            </a:extLst>
+          </p:cNvPr>
+          <p:cNvSpPr/>
+          <p:nvPr/>
+        </p:nvSpPr>
+        <p:spPr>
+          <a:xfrm>
+            <a:off x="8458893" y="4312947"/>
+            <a:ext cx="473516" cy="133896"/>
+          </a:xfrm>
+          <a:prstGeom prst="flowChartAlternateProcess">
+            <a:avLst/>
+          </a:prstGeom>
+        </p:spPr>
+        <p:style>
+          <a:lnRef idx="2">
+            <a:schemeClr val="accent1">
+              <a:shade val="15000"/>
+            </a:schemeClr>
+          </a:lnRef>
+          <a:fillRef idx="1">
+            <a:schemeClr val="accent1"/>
+          </a:fillRef>
+          <a:effectRef idx="0">
+            <a:schemeClr val="accent1"/>
+          </a:effectRef>
+          <a:fontRef idx="minor">
+            <a:schemeClr val="lt1"/>
+          </a:fontRef>
+        </p:style>
+        <p:txBody>
+          <a:bodyPr rtlCol="0" anchor="ctr"/>
+          <a:lstStyle/>
+          <a:p>
+            <a:pPr algn="ctr"/>
+            <a:r>
+              <a:rPr lang="fr-FR" sz="700" b="1" dirty="0">
+                <a:solidFill>
+                  <a:schemeClr val="tx1"/>
+                </a:solidFill>
+              </a:rPr>
+              <a:t>J...</a:t>
+            </a:r>
+          </a:p>
+        </p:txBody>
+      </p:sp>
+      <p:sp>
+        <p:nvSpPr>
+          <p:cNvPr id="14" name="Organigramme : Alternative 13">
+            <a:extLst>
+              <a:ext uri="{FF2B5EF4-FFF2-40B4-BE49-F238E27FC236}">
+                <a16:creationId xmlns:a16="http://schemas.microsoft.com/office/drawing/2014/main" id="{DA44F798-E4E9-B41C-5D1F-BA5E1DC7B338}"/>
+              </a:ext>
+            </a:extLst>
+          </p:cNvPr>
+          <p:cNvSpPr/>
+          <p:nvPr/>
+        </p:nvSpPr>
+        <p:spPr>
+          <a:xfrm>
+            <a:off x="8455461" y="4489349"/>
+            <a:ext cx="473516" cy="133896"/>
+          </a:xfrm>
+          <a:prstGeom prst="flowChartAlternateProcess">
+            <a:avLst/>
+          </a:prstGeom>
+        </p:spPr>
+        <p:style>
+          <a:lnRef idx="2">
+            <a:schemeClr val="accent1">
+              <a:shade val="15000"/>
+            </a:schemeClr>
+          </a:lnRef>
+          <a:fillRef idx="1">
+            <a:schemeClr val="accent1"/>
+          </a:fillRef>
+          <a:effectRef idx="0">
+            <a:schemeClr val="accent1"/>
+          </a:effectRef>
+          <a:fontRef idx="minor">
+            <a:schemeClr val="lt1"/>
+          </a:fontRef>
+        </p:style>
+        <p:txBody>
+          <a:bodyPr rtlCol="0" anchor="ctr"/>
+          <a:lstStyle/>
+          <a:p>
+            <a:pPr algn="ctr"/>
+            <a:r>
+              <a:rPr lang="fr-FR" sz="700" b="1" dirty="0">
+                <a:solidFill>
+                  <a:schemeClr val="tx1"/>
+                </a:solidFill>
+              </a:rPr>
+              <a:t>K..</a:t>
+            </a:r>
+          </a:p>
+        </p:txBody>
+      </p:sp>
+      <p:sp>
+        <p:nvSpPr>
+          <p:cNvPr id="18" name="Organigramme : Alternative 17">
+            <a:extLst>
+              <a:ext uri="{FF2B5EF4-FFF2-40B4-BE49-F238E27FC236}">
+                <a16:creationId xmlns:a16="http://schemas.microsoft.com/office/drawing/2014/main" id="{B54A06E3-0262-C5D0-3679-6DD09194FC61}"/>
+              </a:ext>
+            </a:extLst>
+          </p:cNvPr>
+          <p:cNvSpPr/>
+          <p:nvPr/>
+        </p:nvSpPr>
+        <p:spPr>
+          <a:xfrm>
+            <a:off x="8455461" y="4672941"/>
+            <a:ext cx="473516" cy="133896"/>
+          </a:xfrm>
+          <a:prstGeom prst="flowChartAlternateProcess">
+            <a:avLst/>
+          </a:prstGeom>
+        </p:spPr>
+        <p:style>
+          <a:lnRef idx="2">
+            <a:schemeClr val="accent1">
+              <a:shade val="15000"/>
+            </a:schemeClr>
+          </a:lnRef>
+          <a:fillRef idx="1">
+            <a:schemeClr val="accent1"/>
+          </a:fillRef>
+          <a:effectRef idx="0">
+            <a:schemeClr val="accent1"/>
+          </a:effectRef>
+          <a:fontRef idx="minor">
+            <a:schemeClr val="lt1"/>
+          </a:fontRef>
+        </p:style>
+        <p:txBody>
+          <a:bodyPr rtlCol="0" anchor="ctr"/>
+          <a:lstStyle/>
+          <a:p>
+            <a:pPr algn="ctr"/>
+            <a:r>
+              <a:rPr lang="fr-FR" sz="700" b="1" dirty="0">
+                <a:solidFill>
+                  <a:schemeClr val="tx1"/>
+                </a:solidFill>
+              </a:rPr>
+              <a:t>L..</a:t>
+            </a:r>
+          </a:p>
+        </p:txBody>
+      </p:sp>
+      <p:sp>
+        <p:nvSpPr>
+          <p:cNvPr id="20" name="Organigramme : Alternative 19">
+            <a:extLst>
+              <a:ext uri="{FF2B5EF4-FFF2-40B4-BE49-F238E27FC236}">
+                <a16:creationId xmlns:a16="http://schemas.microsoft.com/office/drawing/2014/main" id="{0A39D760-11C5-7FA2-53B6-3A50BEA34459}"/>
+              </a:ext>
+            </a:extLst>
+          </p:cNvPr>
+          <p:cNvSpPr/>
+          <p:nvPr/>
+        </p:nvSpPr>
+        <p:spPr>
+          <a:xfrm>
+            <a:off x="8458893" y="4856533"/>
+            <a:ext cx="473516" cy="133896"/>
+          </a:xfrm>
+          <a:prstGeom prst="flowChartAlternateProcess">
+            <a:avLst/>
+          </a:prstGeom>
+        </p:spPr>
+        <p:style>
+          <a:lnRef idx="2">
+            <a:schemeClr val="accent1">
+              <a:shade val="15000"/>
+            </a:schemeClr>
+          </a:lnRef>
+          <a:fillRef idx="1">
+            <a:schemeClr val="accent1"/>
+          </a:fillRef>
+          <a:effectRef idx="0">
+            <a:schemeClr val="accent1"/>
+          </a:effectRef>
+          <a:fontRef idx="minor">
+            <a:schemeClr val="lt1"/>
+          </a:fontRef>
+        </p:style>
+        <p:txBody>
+          <a:bodyPr rtlCol="0" anchor="ctr"/>
+          <a:lstStyle/>
+          <a:p>
+            <a:pPr algn="ctr"/>
+            <a:r>
+              <a:rPr lang="fr-FR" sz="700" b="1" dirty="0">
+                <a:solidFill>
+                  <a:schemeClr val="tx1"/>
+                </a:solidFill>
+              </a:rPr>
+              <a:t>M..</a:t>
+            </a:r>
+          </a:p>
+        </p:txBody>
+      </p:sp>
+      <p:sp>
+        <p:nvSpPr>
+          <p:cNvPr id="24" name="Organigramme : Alternative 23">
+            <a:extLst>
+              <a:ext uri="{FF2B5EF4-FFF2-40B4-BE49-F238E27FC236}">
+                <a16:creationId xmlns:a16="http://schemas.microsoft.com/office/drawing/2014/main" id="{2924899B-BAE4-CC68-7B12-232D3A290B1A}"/>
+              </a:ext>
+            </a:extLst>
+          </p:cNvPr>
+          <p:cNvSpPr/>
+          <p:nvPr/>
+        </p:nvSpPr>
+        <p:spPr>
+          <a:xfrm>
+            <a:off x="8458893" y="3444530"/>
+            <a:ext cx="473516" cy="133896"/>
+          </a:xfrm>
+          <a:prstGeom prst="flowChartAlternateProcess">
+            <a:avLst/>
+          </a:prstGeom>
+        </p:spPr>
+        <p:style>
+          <a:lnRef idx="2">
+            <a:schemeClr val="accent1">
+              <a:shade val="15000"/>
+            </a:schemeClr>
+          </a:lnRef>
+          <a:fillRef idx="1">
+            <a:schemeClr val="accent1"/>
+          </a:fillRef>
+          <a:effectRef idx="0">
+            <a:schemeClr val="accent1"/>
+          </a:effectRef>
+          <a:fontRef idx="minor">
+            <a:schemeClr val="lt1"/>
+          </a:fontRef>
+        </p:style>
+        <p:txBody>
+          <a:bodyPr rtlCol="0" anchor="ctr"/>
+          <a:lstStyle/>
+          <a:p>
+            <a:pPr algn="ctr"/>
+            <a:r>
+              <a:rPr lang="fr-FR" sz="700" b="1" dirty="0">
+                <a:solidFill>
+                  <a:schemeClr val="tx1"/>
+                </a:solidFill>
+              </a:rPr>
+              <a:t>A..</a:t>
+            </a:r>
+          </a:p>
+        </p:txBody>
+      </p:sp>
+      <p:cxnSp>
+        <p:nvCxnSpPr>
+          <p:cNvPr id="31" name="Connecteur : en angle 30">
+            <a:extLst>
+              <a:ext uri="{FF2B5EF4-FFF2-40B4-BE49-F238E27FC236}">
+                <a16:creationId xmlns:a16="http://schemas.microsoft.com/office/drawing/2014/main" id="{A8DA2C6D-3D10-DA5A-73D2-927932128AD1}"/>
+              </a:ext>
+            </a:extLst>
+          </p:cNvPr>
+          <p:cNvCxnSpPr>
+            <a:cxnSpLocks/>
+          </p:cNvCxnSpPr>
+          <p:nvPr/>
+        </p:nvCxnSpPr>
+        <p:spPr>
+          <a:xfrm>
+            <a:off x="8073508" y="4040243"/>
+            <a:ext cx="381953" cy="889811"/>
+          </a:xfrm>
+          <a:prstGeom prst="bentConnector3">
+            <a:avLst>
+              <a:gd name="adj1" fmla="val 50000"/>
+            </a:avLst>
+          </a:prstGeom>
+          <a:ln>
+            <a:solidFill>
+              <a:schemeClr val="tx1"/>
+            </a:solidFill>
+            <a:tailEnd type="triangle"/>
+          </a:ln>
+        </p:spPr>
+        <p:style>
+          <a:lnRef idx="1">
+            <a:schemeClr val="accent1"/>
+          </a:lnRef>
+          <a:fillRef idx="0">
+            <a:schemeClr val="accent1"/>
+          </a:fillRef>
+          <a:effectRef idx="0">
+            <a:schemeClr val="accent1"/>
           </a:effectRef>
           <a:fontRef idx="minor">
             <a:schemeClr val="tx1"/>
